--- a/docs/API_Portal-Gateway_Context_Diagram_v20181001a/p1cor5j5jru51qrefog2sulfb4.pptx
+++ b/docs/API_Portal-Gateway_Context_Diagram_v20181001a/p1cor5j5jru51qrefog2sulfb4.pptx
@@ -207,7 +207,7 @@
           <a:p>
             <a:fld id="{0C2404AE-5233-47D3-AEBC-30103E32ED6E}" type="datetimeFigureOut">
               <a:rPr lang="en-US" smtClean="0"/>
-              <a:t>10/2/2018</a:t>
+              <a:t>12/2/2018</a:t>
             </a:fld>
             <a:endParaRPr lang="en-US"/>
           </a:p>
@@ -1713,7 +1713,7 @@
           <a:p>
             <a:fld id="{E5FD0198-2C97-4BED-A025-B1C1CBEA68DF}" type="datetimeFigureOut">
               <a:rPr lang="en-US" smtClean="0"/>
-              <a:t>10/2/2018</a:t>
+              <a:t>12/2/2018</a:t>
             </a:fld>
             <a:endParaRPr lang="en-US"/>
           </a:p>
@@ -1911,7 +1911,7 @@
           <a:p>
             <a:fld id="{E5FD0198-2C97-4BED-A025-B1C1CBEA68DF}" type="datetimeFigureOut">
               <a:rPr lang="en-US" smtClean="0"/>
-              <a:t>10/2/2018</a:t>
+              <a:t>12/2/2018</a:t>
             </a:fld>
             <a:endParaRPr lang="en-US"/>
           </a:p>
@@ -2119,7 +2119,7 @@
           <a:p>
             <a:fld id="{E5FD0198-2C97-4BED-A025-B1C1CBEA68DF}" type="datetimeFigureOut">
               <a:rPr lang="en-US" smtClean="0"/>
-              <a:t>10/2/2018</a:t>
+              <a:t>12/2/2018</a:t>
             </a:fld>
             <a:endParaRPr lang="en-US"/>
           </a:p>
@@ -2317,7 +2317,7 @@
           <a:p>
             <a:fld id="{E5FD0198-2C97-4BED-A025-B1C1CBEA68DF}" type="datetimeFigureOut">
               <a:rPr lang="en-US" smtClean="0"/>
-              <a:t>10/2/2018</a:t>
+              <a:t>12/2/2018</a:t>
             </a:fld>
             <a:endParaRPr lang="en-US"/>
           </a:p>
@@ -2592,7 +2592,7 @@
           <a:p>
             <a:fld id="{E5FD0198-2C97-4BED-A025-B1C1CBEA68DF}" type="datetimeFigureOut">
               <a:rPr lang="en-US" smtClean="0"/>
-              <a:t>10/2/2018</a:t>
+              <a:t>12/2/2018</a:t>
             </a:fld>
             <a:endParaRPr lang="en-US"/>
           </a:p>
@@ -2857,7 +2857,7 @@
           <a:p>
             <a:fld id="{E5FD0198-2C97-4BED-A025-B1C1CBEA68DF}" type="datetimeFigureOut">
               <a:rPr lang="en-US" smtClean="0"/>
-              <a:t>10/2/2018</a:t>
+              <a:t>12/2/2018</a:t>
             </a:fld>
             <a:endParaRPr lang="en-US"/>
           </a:p>
@@ -3269,7 +3269,7 @@
           <a:p>
             <a:fld id="{E5FD0198-2C97-4BED-A025-B1C1CBEA68DF}" type="datetimeFigureOut">
               <a:rPr lang="en-US" smtClean="0"/>
-              <a:t>10/2/2018</a:t>
+              <a:t>12/2/2018</a:t>
             </a:fld>
             <a:endParaRPr lang="en-US"/>
           </a:p>
@@ -3410,7 +3410,7 @@
           <a:p>
             <a:fld id="{E5FD0198-2C97-4BED-A025-B1C1CBEA68DF}" type="datetimeFigureOut">
               <a:rPr lang="en-US" smtClean="0"/>
-              <a:t>10/2/2018</a:t>
+              <a:t>12/2/2018</a:t>
             </a:fld>
             <a:endParaRPr lang="en-US"/>
           </a:p>
@@ -3523,7 +3523,7 @@
           <a:p>
             <a:fld id="{E5FD0198-2C97-4BED-A025-B1C1CBEA68DF}" type="datetimeFigureOut">
               <a:rPr lang="en-US" smtClean="0"/>
-              <a:t>10/2/2018</a:t>
+              <a:t>12/2/2018</a:t>
             </a:fld>
             <a:endParaRPr lang="en-US"/>
           </a:p>
@@ -3834,7 +3834,7 @@
           <a:p>
             <a:fld id="{E5FD0198-2C97-4BED-A025-B1C1CBEA68DF}" type="datetimeFigureOut">
               <a:rPr lang="en-US" smtClean="0"/>
-              <a:t>10/2/2018</a:t>
+              <a:t>12/2/2018</a:t>
             </a:fld>
             <a:endParaRPr lang="en-US"/>
           </a:p>
@@ -4122,7 +4122,7 @@
           <a:p>
             <a:fld id="{E5FD0198-2C97-4BED-A025-B1C1CBEA68DF}" type="datetimeFigureOut">
               <a:rPr lang="en-US" smtClean="0"/>
-              <a:t>10/2/2018</a:t>
+              <a:t>12/2/2018</a:t>
             </a:fld>
             <a:endParaRPr lang="en-US"/>
           </a:p>
@@ -4363,7 +4363,7 @@
           <a:p>
             <a:fld id="{E5FD0198-2C97-4BED-A025-B1C1CBEA68DF}" type="datetimeFigureOut">
               <a:rPr lang="en-US" smtClean="0"/>
-              <a:t>10/2/2018</a:t>
+              <a:t>12/2/2018</a:t>
             </a:fld>
             <a:endParaRPr lang="en-US"/>
           </a:p>
@@ -6874,41 +6874,6 @@
       </p:sp>
       <p:sp>
         <p:nvSpPr>
-          <p:cNvPr id="4" name="TextBox 3">
-            <a:extLst>
-              <a:ext uri="{FF2B5EF4-FFF2-40B4-BE49-F238E27FC236}">
-                <a16:creationId xmlns:a16="http://schemas.microsoft.com/office/drawing/2014/main" id="{4F403AA2-4B8C-4145-BD79-360261E281EB}"/>
-              </a:ext>
-            </a:extLst>
-          </p:cNvPr>
-          <p:cNvSpPr txBox="1"/>
-          <p:nvPr/>
-        </p:nvSpPr>
-        <p:spPr>
-          <a:xfrm>
-            <a:off x="216568" y="200526"/>
-            <a:ext cx="2874569" cy="369332"/>
-          </a:xfrm>
-          <a:prstGeom prst="rect">
-            <a:avLst/>
-          </a:prstGeom>
-          <a:noFill/>
-        </p:spPr>
-        <p:txBody>
-          <a:bodyPr wrap="none" rtlCol="0">
-            <a:spAutoFit/>
-          </a:bodyPr>
-          <a:lstStyle/>
-          <a:p>
-            <a:r>
-              <a:rPr lang="en-US" dirty="0"/>
-              <a:t>Think about diagram naming</a:t>
-            </a:r>
-          </a:p>
-        </p:txBody>
-      </p:sp>
-      <p:sp>
-        <p:nvSpPr>
           <p:cNvPr id="57" name="Rectangle: Rounded Corners 56">
             <a:extLst>
               <a:ext uri="{FF2B5EF4-FFF2-40B4-BE49-F238E27FC236}">
@@ -21173,41 +21138,6 @@
               <a:t>Internal VA Use Only – Working Draft – Pre-Decisional</a:t>
             </a:r>
             <a:endParaRPr lang="en-US" dirty="0"/>
-          </a:p>
-        </p:txBody>
-      </p:sp>
-      <p:sp>
-        <p:nvSpPr>
-          <p:cNvPr id="4" name="TextBox 3">
-            <a:extLst>
-              <a:ext uri="{FF2B5EF4-FFF2-40B4-BE49-F238E27FC236}">
-                <a16:creationId xmlns:a16="http://schemas.microsoft.com/office/drawing/2014/main" id="{4F403AA2-4B8C-4145-BD79-360261E281EB}"/>
-              </a:ext>
-            </a:extLst>
-          </p:cNvPr>
-          <p:cNvSpPr txBox="1"/>
-          <p:nvPr/>
-        </p:nvSpPr>
-        <p:spPr>
-          <a:xfrm>
-            <a:off x="216568" y="200526"/>
-            <a:ext cx="2874569" cy="369332"/>
-          </a:xfrm>
-          <a:prstGeom prst="rect">
-            <a:avLst/>
-          </a:prstGeom>
-          <a:noFill/>
-        </p:spPr>
-        <p:txBody>
-          <a:bodyPr wrap="none" rtlCol="0">
-            <a:spAutoFit/>
-          </a:bodyPr>
-          <a:lstStyle/>
-          <a:p>
-            <a:r>
-              <a:rPr lang="en-US" dirty="0"/>
-              <a:t>Think about diagram naming</a:t>
-            </a:r>
           </a:p>
         </p:txBody>
       </p:sp>
